--- a/Reports/Report_12Dec2024.pptx
+++ b/Reports/Report_12Dec2024.pptx
@@ -9,6 +9,7 @@
     <p:sldId id="266" r:id="rId3"/>
     <p:sldId id="268" r:id="rId4"/>
     <p:sldId id="269" r:id="rId5"/>
+    <p:sldId id="270" r:id="rId6"/>
   </p:sldIdLst>
   <p:sldSz cx="12192000" cy="6858000"/>
   <p:notesSz cx="6858000" cy="9144000"/>
@@ -262,7 +263,7 @@
           <a:p>
             <a:fld id="{AF8B3AFB-DC82-44D0-8B52-09735DEFE1C4}" type="datetimeFigureOut">
               <a:rPr lang="en-US" smtClean="0"/>
-              <a:t>12/10/2024</a:t>
+              <a:t>12/11/2024</a:t>
             </a:fld>
             <a:endParaRPr lang="en-US"/>
           </a:p>
@@ -460,7 +461,7 @@
           <a:p>
             <a:fld id="{AF8B3AFB-DC82-44D0-8B52-09735DEFE1C4}" type="datetimeFigureOut">
               <a:rPr lang="en-US" smtClean="0"/>
-              <a:t>12/10/2024</a:t>
+              <a:t>12/11/2024</a:t>
             </a:fld>
             <a:endParaRPr lang="en-US"/>
           </a:p>
@@ -668,7 +669,7 @@
           <a:p>
             <a:fld id="{AF8B3AFB-DC82-44D0-8B52-09735DEFE1C4}" type="datetimeFigureOut">
               <a:rPr lang="en-US" smtClean="0"/>
-              <a:t>12/10/2024</a:t>
+              <a:t>12/11/2024</a:t>
             </a:fld>
             <a:endParaRPr lang="en-US"/>
           </a:p>
@@ -866,7 +867,7 @@
           <a:p>
             <a:fld id="{AF8B3AFB-DC82-44D0-8B52-09735DEFE1C4}" type="datetimeFigureOut">
               <a:rPr lang="en-US" smtClean="0"/>
-              <a:t>12/10/2024</a:t>
+              <a:t>12/11/2024</a:t>
             </a:fld>
             <a:endParaRPr lang="en-US"/>
           </a:p>
@@ -1141,7 +1142,7 @@
           <a:p>
             <a:fld id="{AF8B3AFB-DC82-44D0-8B52-09735DEFE1C4}" type="datetimeFigureOut">
               <a:rPr lang="en-US" smtClean="0"/>
-              <a:t>12/10/2024</a:t>
+              <a:t>12/11/2024</a:t>
             </a:fld>
             <a:endParaRPr lang="en-US"/>
           </a:p>
@@ -1406,7 +1407,7 @@
           <a:p>
             <a:fld id="{AF8B3AFB-DC82-44D0-8B52-09735DEFE1C4}" type="datetimeFigureOut">
               <a:rPr lang="en-US" smtClean="0"/>
-              <a:t>12/10/2024</a:t>
+              <a:t>12/11/2024</a:t>
             </a:fld>
             <a:endParaRPr lang="en-US"/>
           </a:p>
@@ -1818,7 +1819,7 @@
           <a:p>
             <a:fld id="{AF8B3AFB-DC82-44D0-8B52-09735DEFE1C4}" type="datetimeFigureOut">
               <a:rPr lang="en-US" smtClean="0"/>
-              <a:t>12/10/2024</a:t>
+              <a:t>12/11/2024</a:t>
             </a:fld>
             <a:endParaRPr lang="en-US"/>
           </a:p>
@@ -1959,7 +1960,7 @@
           <a:p>
             <a:fld id="{AF8B3AFB-DC82-44D0-8B52-09735DEFE1C4}" type="datetimeFigureOut">
               <a:rPr lang="en-US" smtClean="0"/>
-              <a:t>12/10/2024</a:t>
+              <a:t>12/11/2024</a:t>
             </a:fld>
             <a:endParaRPr lang="en-US"/>
           </a:p>
@@ -2072,7 +2073,7 @@
           <a:p>
             <a:fld id="{AF8B3AFB-DC82-44D0-8B52-09735DEFE1C4}" type="datetimeFigureOut">
               <a:rPr lang="en-US" smtClean="0"/>
-              <a:t>12/10/2024</a:t>
+              <a:t>12/11/2024</a:t>
             </a:fld>
             <a:endParaRPr lang="en-US"/>
           </a:p>
@@ -2383,7 +2384,7 @@
           <a:p>
             <a:fld id="{AF8B3AFB-DC82-44D0-8B52-09735DEFE1C4}" type="datetimeFigureOut">
               <a:rPr lang="en-US" smtClean="0"/>
-              <a:t>12/10/2024</a:t>
+              <a:t>12/11/2024</a:t>
             </a:fld>
             <a:endParaRPr lang="en-US"/>
           </a:p>
@@ -2671,7 +2672,7 @@
           <a:p>
             <a:fld id="{AF8B3AFB-DC82-44D0-8B52-09735DEFE1C4}" type="datetimeFigureOut">
               <a:rPr lang="en-US" smtClean="0"/>
-              <a:t>12/10/2024</a:t>
+              <a:t>12/11/2024</a:t>
             </a:fld>
             <a:endParaRPr lang="en-US"/>
           </a:p>
@@ -2912,7 +2913,7 @@
           <a:p>
             <a:fld id="{AF8B3AFB-DC82-44D0-8B52-09735DEFE1C4}" type="datetimeFigureOut">
               <a:rPr lang="en-US" smtClean="0"/>
-              <a:t>12/10/2024</a:t>
+              <a:t>12/11/2024</a:t>
             </a:fld>
             <a:endParaRPr lang="en-US"/>
           </a:p>
@@ -7761,6 +7762,178 @@
 </p:sld>
 </file>
 
+<file path=ppt/slides/slide5.xml><?xml version="1.0" encoding="utf-8"?>
+<p:sld xmlns:a="http://schemas.openxmlformats.org/drawingml/2006/main" xmlns:r="http://schemas.openxmlformats.org/officeDocument/2006/relationships" xmlns:p="http://schemas.openxmlformats.org/presentationml/2006/main">
+  <p:cSld>
+    <p:spTree>
+      <p:nvGrpSpPr>
+        <p:cNvPr id="1" name=""/>
+        <p:cNvGrpSpPr/>
+        <p:nvPr/>
+      </p:nvGrpSpPr>
+      <p:grpSpPr>
+        <a:xfrm>
+          <a:off x="0" y="0"/>
+          <a:ext cx="0" cy="0"/>
+          <a:chOff x="0" y="0"/>
+          <a:chExt cx="0" cy="0"/>
+        </a:xfrm>
+      </p:grpSpPr>
+      <p:pic>
+        <p:nvPicPr>
+          <p:cNvPr id="3" name="Picture 2" descr="A graph of a graph with numbers and symbols&#10;&#10;Description automatically generated with medium confidence">
+            <a:extLst>
+              <a:ext uri="{FF2B5EF4-FFF2-40B4-BE49-F238E27FC236}">
+                <a16:creationId xmlns:a16="http://schemas.microsoft.com/office/drawing/2014/main" id="{AF9729A6-4465-8FB1-F65A-0DE18697B3CE}"/>
+              </a:ext>
+            </a:extLst>
+          </p:cNvPr>
+          <p:cNvPicPr>
+            <a:picLocks noChangeAspect="1"/>
+          </p:cNvPicPr>
+          <p:nvPr/>
+        </p:nvPicPr>
+        <p:blipFill>
+          <a:blip r:embed="rId2">
+            <a:extLst>
+              <a:ext uri="{28A0092B-C50C-407E-A947-70E740481C1C}">
+                <a14:useLocalDpi xmlns:a14="http://schemas.microsoft.com/office/drawing/2010/main" val="0"/>
+              </a:ext>
+            </a:extLst>
+          </a:blip>
+          <a:stretch>
+            <a:fillRect/>
+          </a:stretch>
+        </p:blipFill>
+        <p:spPr>
+          <a:xfrm>
+            <a:off x="5979341" y="1300072"/>
+            <a:ext cx="6069784" cy="4869701"/>
+          </a:xfrm>
+          <a:prstGeom prst="rect">
+            <a:avLst/>
+          </a:prstGeom>
+        </p:spPr>
+      </p:pic>
+      <p:pic>
+        <p:nvPicPr>
+          <p:cNvPr id="5" name="Picture 4" descr="A graph of a number of objects&#10;&#10;Description automatically generated with medium confidence">
+            <a:extLst>
+              <a:ext uri="{FF2B5EF4-FFF2-40B4-BE49-F238E27FC236}">
+                <a16:creationId xmlns:a16="http://schemas.microsoft.com/office/drawing/2014/main" id="{AB2C4CDA-4DC7-889C-4BEC-CB81DDBA0593}"/>
+              </a:ext>
+            </a:extLst>
+          </p:cNvPr>
+          <p:cNvPicPr>
+            <a:picLocks noChangeAspect="1"/>
+          </p:cNvPicPr>
+          <p:nvPr/>
+        </p:nvPicPr>
+        <p:blipFill>
+          <a:blip r:embed="rId3">
+            <a:extLst>
+              <a:ext uri="{28A0092B-C50C-407E-A947-70E740481C1C}">
+                <a14:useLocalDpi xmlns:a14="http://schemas.microsoft.com/office/drawing/2010/main" val="0"/>
+              </a:ext>
+            </a:extLst>
+          </a:blip>
+          <a:stretch>
+            <a:fillRect/>
+          </a:stretch>
+        </p:blipFill>
+        <p:spPr>
+          <a:xfrm>
+            <a:off x="0" y="1304925"/>
+            <a:ext cx="5841186" cy="4686300"/>
+          </a:xfrm>
+          <a:prstGeom prst="rect">
+            <a:avLst/>
+          </a:prstGeom>
+        </p:spPr>
+      </p:pic>
+      <p:sp>
+        <p:nvSpPr>
+          <p:cNvPr id="6" name="TextBox 5">
+            <a:extLst>
+              <a:ext uri="{FF2B5EF4-FFF2-40B4-BE49-F238E27FC236}">
+                <a16:creationId xmlns:a16="http://schemas.microsoft.com/office/drawing/2014/main" id="{D611E78B-7068-6591-7BB4-7845828958E5}"/>
+              </a:ext>
+            </a:extLst>
+          </p:cNvPr>
+          <p:cNvSpPr txBox="1"/>
+          <p:nvPr/>
+        </p:nvSpPr>
+        <p:spPr>
+          <a:xfrm>
+            <a:off x="2454760" y="682109"/>
+            <a:ext cx="910570" cy="369332"/>
+          </a:xfrm>
+          <a:prstGeom prst="rect">
+            <a:avLst/>
+          </a:prstGeom>
+          <a:noFill/>
+        </p:spPr>
+        <p:txBody>
+          <a:bodyPr wrap="none" rtlCol="0">
+            <a:spAutoFit/>
+          </a:bodyPr>
+          <a:lstStyle/>
+          <a:p>
+            <a:r>
+              <a:rPr lang="en-US" dirty="0"/>
+              <a:t>C zone </a:t>
+            </a:r>
+          </a:p>
+        </p:txBody>
+      </p:sp>
+      <p:sp>
+        <p:nvSpPr>
+          <p:cNvPr id="7" name="TextBox 6">
+            <a:extLst>
+              <a:ext uri="{FF2B5EF4-FFF2-40B4-BE49-F238E27FC236}">
+                <a16:creationId xmlns:a16="http://schemas.microsoft.com/office/drawing/2014/main" id="{3395860F-AA0F-6337-6058-B6F1AA97C589}"/>
+              </a:ext>
+            </a:extLst>
+          </p:cNvPr>
+          <p:cNvSpPr txBox="1"/>
+          <p:nvPr/>
+        </p:nvSpPr>
+        <p:spPr>
+          <a:xfrm>
+            <a:off x="8750785" y="682109"/>
+            <a:ext cx="1359668" cy="369332"/>
+          </a:xfrm>
+          <a:prstGeom prst="rect">
+            <a:avLst/>
+          </a:prstGeom>
+          <a:noFill/>
+        </p:spPr>
+        <p:txBody>
+          <a:bodyPr wrap="none" rtlCol="0">
+            <a:spAutoFit/>
+          </a:bodyPr>
+          <a:lstStyle/>
+          <a:p>
+            <a:r>
+              <a:rPr lang="en-US" dirty="0"/>
+              <a:t>All filament </a:t>
+            </a:r>
+          </a:p>
+        </p:txBody>
+      </p:sp>
+    </p:spTree>
+    <p:extLst>
+      <p:ext uri="{BB962C8B-B14F-4D97-AF65-F5344CB8AC3E}">
+        <p14:creationId xmlns:p14="http://schemas.microsoft.com/office/powerpoint/2010/main" val="991715852"/>
+      </p:ext>
+    </p:extLst>
+  </p:cSld>
+  <p:clrMapOvr>
+    <a:masterClrMapping/>
+  </p:clrMapOvr>
+</p:sld>
+</file>
+
 <file path=ppt/theme/theme1.xml><?xml version="1.0" encoding="utf-8"?>
 <a:theme xmlns:a="http://schemas.openxmlformats.org/drawingml/2006/main" name="Office Theme">
   <a:themeElements>
